--- a/プレゼン/RapidCart20191224.pptx
+++ b/プレゼン/RapidCart20191224.pptx
@@ -204,7 +204,7 @@
           <a:p>
             <a:fld id="{0649F128-D4FC-489C-860B-9DD0AB1578C1}" type="datetimeFigureOut">
               <a:rPr kumimoji="1" lang="ja-JP" altLang="en-US" smtClean="0"/>
-              <a:t>2019/12/23</a:t>
+              <a:t>2019/12/24</a:t>
             </a:fld>
             <a:endParaRPr kumimoji="1" lang="ja-JP" altLang="en-US"/>
           </a:p>
@@ -1019,7 +1019,7 @@
           <a:p>
             <a:fld id="{E50F9C81-DB02-44DB-A10A-141CA506DBCE}" type="datetimeFigureOut">
               <a:rPr kumimoji="1" lang="ja-JP" altLang="en-US" smtClean="0"/>
-              <a:t>2019/12/23</a:t>
+              <a:t>2019/12/24</a:t>
             </a:fld>
             <a:endParaRPr kumimoji="1" lang="ja-JP" altLang="en-US"/>
           </a:p>
@@ -1266,7 +1266,7 @@
           <a:p>
             <a:fld id="{E50F9C81-DB02-44DB-A10A-141CA506DBCE}" type="datetimeFigureOut">
               <a:rPr kumimoji="1" lang="ja-JP" altLang="en-US" smtClean="0"/>
-              <a:t>2019/12/23</a:t>
+              <a:t>2019/12/24</a:t>
             </a:fld>
             <a:endParaRPr kumimoji="1" lang="ja-JP" altLang="en-US"/>
           </a:p>
@@ -1561,7 +1561,7 @@
           <a:p>
             <a:fld id="{E50F9C81-DB02-44DB-A10A-141CA506DBCE}" type="datetimeFigureOut">
               <a:rPr kumimoji="1" lang="ja-JP" altLang="en-US" smtClean="0"/>
-              <a:t>2019/12/23</a:t>
+              <a:t>2019/12/24</a:t>
             </a:fld>
             <a:endParaRPr kumimoji="1" lang="ja-JP" altLang="en-US"/>
           </a:p>
@@ -1790,7 +1790,7 @@
           <a:p>
             <a:fld id="{E50F9C81-DB02-44DB-A10A-141CA506DBCE}" type="datetimeFigureOut">
               <a:rPr kumimoji="1" lang="ja-JP" altLang="en-US" smtClean="0"/>
-              <a:t>2019/12/23</a:t>
+              <a:t>2019/12/24</a:t>
             </a:fld>
             <a:endParaRPr kumimoji="1" lang="ja-JP" altLang="en-US"/>
           </a:p>
@@ -2140,7 +2140,7 @@
           <a:p>
             <a:fld id="{E50F9C81-DB02-44DB-A10A-141CA506DBCE}" type="datetimeFigureOut">
               <a:rPr kumimoji="1" lang="ja-JP" altLang="en-US" smtClean="0"/>
-              <a:t>2019/12/23</a:t>
+              <a:t>2019/12/24</a:t>
             </a:fld>
             <a:endParaRPr kumimoji="1" lang="ja-JP" altLang="en-US"/>
           </a:p>
@@ -2527,7 +2527,7 @@
             <a:fld id="{E50F9C81-DB02-44DB-A10A-141CA506DBCE}" type="datetimeFigureOut">
               <a:rPr lang="ja-JP" altLang="en-US" smtClean="0"/>
               <a:pPr/>
-              <a:t>2019/12/23</a:t>
+              <a:t>2019/12/24</a:t>
             </a:fld>
             <a:endParaRPr lang="ja-JP" altLang="en-US"/>
           </a:p>
@@ -3018,7 +3018,7 @@
           <a:p>
             <a:fld id="{E50F9C81-DB02-44DB-A10A-141CA506DBCE}" type="datetimeFigureOut">
               <a:rPr kumimoji="1" lang="ja-JP" altLang="en-US" smtClean="0"/>
-              <a:t>2019/12/23</a:t>
+              <a:t>2019/12/24</a:t>
             </a:fld>
             <a:endParaRPr kumimoji="1" lang="ja-JP" altLang="en-US"/>
           </a:p>
@@ -3143,7 +3143,7 @@
           <a:p>
             <a:fld id="{E50F9C81-DB02-44DB-A10A-141CA506DBCE}" type="datetimeFigureOut">
               <a:rPr kumimoji="1" lang="ja-JP" altLang="en-US" smtClean="0"/>
-              <a:t>2019/12/23</a:t>
+              <a:t>2019/12/24</a:t>
             </a:fld>
             <a:endParaRPr kumimoji="1" lang="ja-JP" altLang="en-US"/>
           </a:p>
@@ -3321,7 +3321,7 @@
           <a:p>
             <a:fld id="{E50F9C81-DB02-44DB-A10A-141CA506DBCE}" type="datetimeFigureOut">
               <a:rPr kumimoji="1" lang="ja-JP" altLang="en-US" smtClean="0"/>
-              <a:t>2019/12/23</a:t>
+              <a:t>2019/12/24</a:t>
             </a:fld>
             <a:endParaRPr kumimoji="1" lang="ja-JP" altLang="en-US"/>
           </a:p>
@@ -3714,7 +3714,7 @@
           <a:p>
             <a:fld id="{E50F9C81-DB02-44DB-A10A-141CA506DBCE}" type="datetimeFigureOut">
               <a:rPr kumimoji="1" lang="ja-JP" altLang="en-US" smtClean="0"/>
-              <a:t>2019/12/23</a:t>
+              <a:t>2019/12/24</a:t>
             </a:fld>
             <a:endParaRPr kumimoji="1" lang="ja-JP" altLang="en-US"/>
           </a:p>
@@ -4091,7 +4091,7 @@
           <a:p>
             <a:fld id="{E50F9C81-DB02-44DB-A10A-141CA506DBCE}" type="datetimeFigureOut">
               <a:rPr kumimoji="1" lang="ja-JP" altLang="en-US" smtClean="0"/>
-              <a:t>2019/12/23</a:t>
+              <a:t>2019/12/24</a:t>
             </a:fld>
             <a:endParaRPr kumimoji="1" lang="ja-JP" altLang="en-US"/>
           </a:p>
@@ -4410,7 +4410,7 @@
           <a:p>
             <a:fld id="{E50F9C81-DB02-44DB-A10A-141CA506DBCE}" type="datetimeFigureOut">
               <a:rPr kumimoji="1" lang="ja-JP" altLang="en-US" smtClean="0"/>
-              <a:t>2019/12/23</a:t>
+              <a:t>2019/12/24</a:t>
             </a:fld>
             <a:endParaRPr kumimoji="1" lang="ja-JP" altLang="en-US"/>
           </a:p>
@@ -4985,7 +4985,7 @@
           <a:p>
             <a:r>
               <a:rPr kumimoji="1" lang="en-US" altLang="ja-JP" sz="4000" smtClean="0"/>
-              <a:t>2019/12/16</a:t>
+              <a:t>2019/12/24</a:t>
             </a:r>
             <a:r>
               <a:rPr kumimoji="1" lang="ja-JP" altLang="en-US" sz="4000" smtClean="0"/>
@@ -7714,11 +7714,7 @@
             </a:r>
             <a:r>
               <a:rPr kumimoji="1" lang="ja-JP" altLang="en-US" sz="4000" dirty="0" smtClean="0"/>
-              <a:t>項目に基づいた</a:t>
-            </a:r>
-            <a:r>
-              <a:rPr kumimoji="1" lang="ja-JP" altLang="en-US" sz="4000" dirty="0" smtClean="0"/>
-              <a:t>テスト</a:t>
+              <a:t>項目に基づいたテスト</a:t>
             </a:r>
             <a:endParaRPr kumimoji="1" lang="en-US" altLang="ja-JP" sz="4000" dirty="0" smtClean="0"/>
           </a:p>
